--- a/移动端开发/响应式设计/响应式设计.pptx
+++ b/移动端开发/响应式设计/响应式设计.pptx
@@ -9014,7 +9014,39 @@
                 <a:ea typeface="微软雅黑" pitchFamily="2" charset="-122"/>
                 <a:sym typeface="+mn-ea"/>
               </a:rPr>
-              <a:t>设备分辨率	</a:t>
+              <a:t>设备</a:t>
+            </a:r>
+            <a:r>
+              <a:rPr lang="zh-CN" altLang="en-US" dirty="0" smtClean="0">
+                <a:latin typeface="微软雅黑" pitchFamily="2" charset="-122"/>
+                <a:ea typeface="微软雅黑" pitchFamily="2" charset="-122"/>
+                <a:sym typeface="+mn-ea"/>
+              </a:rPr>
+              <a:t>分辨率	</a:t>
+            </a:r>
+            <a:r>
+              <a:rPr lang="zh-CN" altLang="en-US" dirty="0" smtClean="0">
+                <a:latin typeface="微软雅黑" pitchFamily="2" charset="-122"/>
+                <a:ea typeface="微软雅黑" pitchFamily="2" charset="-122"/>
+                <a:sym typeface="+mn-ea"/>
+              </a:rPr>
+              <a:t> </a:t>
+            </a:r>
+            <a:r>
+              <a:rPr lang="zh-CN" altLang="en-US" dirty="0" smtClean="0">
+                <a:latin typeface="微软雅黑" pitchFamily="2" charset="-122"/>
+                <a:ea typeface="微软雅黑" pitchFamily="2" charset="-122"/>
+                <a:sym typeface="+mn-ea"/>
+              </a:rPr>
+              <a:t>物理</a:t>
+            </a:r>
+            <a:r>
+              <a:rPr lang="zh-CN" altLang="en-US" dirty="0">
+                <a:latin typeface="微软雅黑" pitchFamily="2" charset="-122"/>
+                <a:ea typeface="微软雅黑" pitchFamily="2" charset="-122"/>
+                <a:sym typeface="+mn-ea"/>
+              </a:rPr>
+              <a:t>像素显示像素的密度 </a:t>
             </a:r>
             <a:endParaRPr lang="zh-CN" altLang="en-US" dirty="0">
               <a:latin typeface="微软雅黑" pitchFamily="2" charset="-122"/>
